--- a/slides/parallelism/2.1_understanding_parallelism.pptx
+++ b/slides/parallelism/2.1_understanding_parallelism.pptx
@@ -6709,13 +6709,18 @@
           <a:lstStyle/>
           <a:p>
             <a:r>
-              <a:rPr lang="en-US" b="1" dirty="0">
+              <a:rPr lang="en-US" b="1">
                 <a:solidFill>
                   <a:srgbClr val="002060"/>
                 </a:solidFill>
               </a:rPr>
-              <a:t>Mahmoud (Max) Parsian</a:t>
-            </a:r>
+              <a:t>Mahmoud Parsian</a:t>
+            </a:r>
+            <a:endParaRPr lang="en-US" b="1" dirty="0">
+              <a:solidFill>
+                <a:srgbClr val="002060"/>
+              </a:solidFill>
+            </a:endParaRPr>
           </a:p>
           <a:p>
             <a:r>
